--- a/Async Streams/Async Streams - 16.9.pptx
+++ b/Async Streams/Async Streams - 16.9.pptx
@@ -969,15 +969,7 @@
           <a:p>
             <a:r>
               <a:rPr lang="en-US" dirty="0"/>
-              <a:t>Adding </a:t>
-            </a:r>
-            <a:r>
-              <a:rPr lang="en-US" dirty="0" err="1"/>
-              <a:t>ConfigureAwait</a:t>
-            </a:r>
-            <a:r>
-              <a:rPr lang="en-US" dirty="0"/>
-              <a:t>(false) applies it to every compiler-generated await.</a:t>
+              <a:t>(as seen in the demo)</a:t>
             </a:r>
           </a:p>
         </p:txBody>
@@ -989,7 +981,7 @@
             <a:spLocks noGrp="1"/>
           </p:cNvSpPr>
           <p:nvPr>
-            <p:ph type="sldNum" sz="quarter" idx="10"/>
+            <p:ph type="sldNum" sz="quarter" idx="5"/>
           </p:nvPr>
         </p:nvSpPr>
         <p:spPr/>
@@ -997,18 +989,18 @@
           <a:bodyPr/>
           <a:lstStyle/>
           <a:p>
-            <a:fld id="{E0AE778D-2A57-4226-B72B-26EA3CA60131}" type="slidenum">
+            <a:fld id="{94CE3395-F8FF-4336-B2AA-E15575B990E7}" type="slidenum">
               <a:rPr lang="en-US" smtClean="0"/>
-              <a:t>22</a:t>
+              <a:t>20</a:t>
             </a:fld>
-            <a:endParaRPr lang="en-US"/>
+            <a:endParaRPr lang="en-US" dirty="0"/>
           </a:p>
         </p:txBody>
       </p:sp>
     </p:spTree>
     <p:extLst>
       <p:ext uri="{BB962C8B-B14F-4D97-AF65-F5344CB8AC3E}">
-        <p14:creationId xmlns:p14="http://schemas.microsoft.com/office/powerpoint/2010/main" val="3035405854"/>
+        <p14:creationId xmlns:p14="http://schemas.microsoft.com/office/powerpoint/2010/main" val="2631375907"/>
       </p:ext>
     </p:extLst>
   </p:cSld>
@@ -1062,6 +1054,29 @@
           <a:bodyPr/>
           <a:lstStyle/>
           <a:p>
+            <a:pPr marL="0" marR="0" lvl="0" indent="0" algn="l" defTabSz="914400" rtl="0" eaLnBrk="1" fontAlgn="auto" latinLnBrk="0" hangingPunct="1">
+              <a:lnSpc>
+                <a:spcPct val="100000"/>
+              </a:lnSpc>
+              <a:spcBef>
+                <a:spcPts val="0"/>
+              </a:spcBef>
+              <a:spcAft>
+                <a:spcPts val="0"/>
+              </a:spcAft>
+              <a:buClrTx/>
+              <a:buSzTx/>
+              <a:buFontTx/>
+              <a:buNone/>
+              <a:tabLst/>
+              <a:defRPr/>
+            </a:pPr>
+            <a:r>
+              <a:rPr lang="en-US" dirty="0"/>
+              <a:t>(as seen in the demo)</a:t>
+            </a:r>
+          </a:p>
+          <a:p>
             <a:endParaRPr lang="en-US" dirty="0"/>
           </a:p>
         </p:txBody>
@@ -1083,7 +1098,7 @@
           <a:p>
             <a:fld id="{94CE3395-F8FF-4336-B2AA-E15575B990E7}" type="slidenum">
               <a:rPr lang="en-US" smtClean="0"/>
-              <a:t>24</a:t>
+              <a:t>21</a:t>
             </a:fld>
             <a:endParaRPr lang="en-US" dirty="0"/>
           </a:p>
@@ -1092,7 +1107,7 @@
     </p:spTree>
     <p:extLst>
       <p:ext uri="{BB962C8B-B14F-4D97-AF65-F5344CB8AC3E}">
-        <p14:creationId xmlns:p14="http://schemas.microsoft.com/office/powerpoint/2010/main" val="3515314634"/>
+        <p14:creationId xmlns:p14="http://schemas.microsoft.com/office/powerpoint/2010/main" val="2039143252"/>
       </p:ext>
     </p:extLst>
   </p:cSld>
@@ -1146,24 +1161,18 @@
           <a:bodyPr/>
           <a:lstStyle/>
           <a:p>
-            <a:pPr marL="0" marR="0" lvl="0" indent="0" algn="l" defTabSz="914400" rtl="0" eaLnBrk="1" fontAlgn="auto" latinLnBrk="0" hangingPunct="1">
-              <a:lnSpc>
-                <a:spcPct val="100000"/>
-              </a:lnSpc>
-              <a:spcBef>
-                <a:spcPts val="0"/>
-              </a:spcBef>
-              <a:spcAft>
-                <a:spcPts val="0"/>
-              </a:spcAft>
-              <a:buClrTx/>
-              <a:buSzTx/>
-              <a:buFontTx/>
-              <a:buNone/>
-              <a:tabLst/>
-              <a:defRPr/>
-            </a:pPr>
-            <a:endParaRPr lang="en-US" dirty="0"/>
+            <a:r>
+              <a:rPr lang="en-US" dirty="0"/>
+              <a:t>Adding </a:t>
+            </a:r>
+            <a:r>
+              <a:rPr lang="en-US" dirty="0" err="1"/>
+              <a:t>ConfigureAwait</a:t>
+            </a:r>
+            <a:r>
+              <a:rPr lang="en-US" dirty="0"/>
+              <a:t>(false) applies it to every compiler-generated await.</a:t>
+            </a:r>
           </a:p>
         </p:txBody>
       </p:sp>
@@ -1174,7 +1183,7 @@
             <a:spLocks noGrp="1"/>
           </p:cNvSpPr>
           <p:nvPr>
-            <p:ph type="sldNum" sz="quarter" idx="5"/>
+            <p:ph type="sldNum" sz="quarter" idx="10"/>
           </p:nvPr>
         </p:nvSpPr>
         <p:spPr/>
@@ -1182,18 +1191,18 @@
           <a:bodyPr/>
           <a:lstStyle/>
           <a:p>
-            <a:fld id="{94CE3395-F8FF-4336-B2AA-E15575B990E7}" type="slidenum">
+            <a:fld id="{E0AE778D-2A57-4226-B72B-26EA3CA60131}" type="slidenum">
               <a:rPr lang="en-US" smtClean="0"/>
-              <a:t>26</a:t>
+              <a:t>22</a:t>
             </a:fld>
-            <a:endParaRPr lang="en-US" dirty="0"/>
+            <a:endParaRPr lang="en-US"/>
           </a:p>
         </p:txBody>
       </p:sp>
     </p:spTree>
     <p:extLst>
       <p:ext uri="{BB962C8B-B14F-4D97-AF65-F5344CB8AC3E}">
-        <p14:creationId xmlns:p14="http://schemas.microsoft.com/office/powerpoint/2010/main" val="1243363823"/>
+        <p14:creationId xmlns:p14="http://schemas.microsoft.com/office/powerpoint/2010/main" val="3035405854"/>
       </p:ext>
     </p:extLst>
   </p:cSld>
@@ -1247,10 +1256,30 @@
           <a:bodyPr/>
           <a:lstStyle/>
           <a:p>
+            <a:pPr marL="0" marR="0" lvl="0" indent="0" algn="l" defTabSz="914400" rtl="0" eaLnBrk="1" fontAlgn="auto" latinLnBrk="0" hangingPunct="1">
+              <a:lnSpc>
+                <a:spcPct val="100000"/>
+              </a:lnSpc>
+              <a:spcBef>
+                <a:spcPts val="0"/>
+              </a:spcBef>
+              <a:spcAft>
+                <a:spcPts val="0"/>
+              </a:spcAft>
+              <a:buClrTx/>
+              <a:buSzTx/>
+              <a:buFontTx/>
+              <a:buNone/>
+              <a:tabLst/>
+              <a:defRPr/>
+            </a:pPr>
             <a:r>
               <a:rPr lang="en-US" dirty="0"/>
-              <a:t>Making this more realistic.</a:t>
-            </a:r>
+              <a:t>(as seen in the demo)</a:t>
+            </a:r>
+          </a:p>
+          <a:p>
+            <a:endParaRPr lang="en-US" dirty="0"/>
           </a:p>
         </p:txBody>
       </p:sp>
@@ -1271,7 +1300,7 @@
           <a:p>
             <a:fld id="{94CE3395-F8FF-4336-B2AA-E15575B990E7}" type="slidenum">
               <a:rPr lang="en-US" smtClean="0"/>
-              <a:t>27</a:t>
+              <a:t>24</a:t>
             </a:fld>
             <a:endParaRPr lang="en-US" dirty="0"/>
           </a:p>
@@ -1280,7 +1309,7 @@
     </p:spTree>
     <p:extLst>
       <p:ext uri="{BB962C8B-B14F-4D97-AF65-F5344CB8AC3E}">
-        <p14:creationId xmlns:p14="http://schemas.microsoft.com/office/powerpoint/2010/main" val="2876862088"/>
+        <p14:creationId xmlns:p14="http://schemas.microsoft.com/office/powerpoint/2010/main" val="3515314634"/>
       </p:ext>
     </p:extLst>
   </p:cSld>
@@ -1334,41 +1363,78 @@
           <a:bodyPr/>
           <a:lstStyle/>
           <a:p>
+            <a:pPr marL="0" marR="0" lvl="0" indent="0" algn="l" defTabSz="914400" rtl="0" eaLnBrk="1" fontAlgn="auto" latinLnBrk="0" hangingPunct="1">
+              <a:lnSpc>
+                <a:spcPct val="100000"/>
+              </a:lnSpc>
+              <a:spcBef>
+                <a:spcPts val="0"/>
+              </a:spcBef>
+              <a:spcAft>
+                <a:spcPts val="0"/>
+              </a:spcAft>
+              <a:buClrTx/>
+              <a:buSzTx/>
+              <a:buFontTx/>
+              <a:buNone/>
+              <a:tabLst/>
+              <a:defRPr/>
+            </a:pPr>
+            <a:r>
+              <a:rPr lang="en-US" dirty="0"/>
+              <a:t>(as seen in the demo)</a:t>
+            </a:r>
+          </a:p>
+          <a:p>
+            <a:pPr marL="0" marR="0" lvl="0" indent="0" algn="l" defTabSz="914400" rtl="0" eaLnBrk="1" fontAlgn="auto" latinLnBrk="0" hangingPunct="1">
+              <a:lnSpc>
+                <a:spcPct val="100000"/>
+              </a:lnSpc>
+              <a:spcBef>
+                <a:spcPts val="0"/>
+              </a:spcBef>
+              <a:spcAft>
+                <a:spcPts val="0"/>
+              </a:spcAft>
+              <a:buClrTx/>
+              <a:buSzTx/>
+              <a:buFontTx/>
+              <a:buNone/>
+              <a:tabLst/>
+              <a:defRPr/>
+            </a:pPr>
+            <a:endParaRPr lang="en-US" dirty="0"/>
+          </a:p>
+          <a:p>
+            <a:pPr marL="0" marR="0" lvl="0" indent="0" algn="l" defTabSz="914400" rtl="0" eaLnBrk="1" fontAlgn="auto" latinLnBrk="0" hangingPunct="1">
+              <a:lnSpc>
+                <a:spcPct val="100000"/>
+              </a:lnSpc>
+              <a:spcBef>
+                <a:spcPts val="0"/>
+              </a:spcBef>
+              <a:spcAft>
+                <a:spcPts val="0"/>
+              </a:spcAft>
+              <a:buClrTx/>
+              <a:buSzTx/>
+              <a:buFontTx/>
+              <a:buNone/>
+              <a:tabLst/>
+              <a:defRPr/>
+            </a:pPr>
+            <a:r>
+              <a:rPr lang="en-US" dirty="0"/>
+              <a:t>Exceptions are deferred (like other </a:t>
+            </a:r>
             <a:r>
               <a:rPr lang="en-US" dirty="0" err="1"/>
-              <a:t>SignalR</a:t>
+              <a:t>enumerables</a:t>
             </a:r>
             <a:r>
               <a:rPr lang="en-US" dirty="0"/>
-              <a:t>: connect to hub + get multiple messages + disconnect from hub</a:t>
-            </a:r>
-          </a:p>
-          <a:p>
-            <a:r>
-              <a:rPr lang="en-US" dirty="0"/>
-              <a:t>Stock quote APIs: connect to socket + get multiple messages + disconnect socket</a:t>
-            </a:r>
-          </a:p>
-          <a:p>
-            <a:endParaRPr lang="en-US" dirty="0"/>
-          </a:p>
-          <a:p>
-            <a:r>
-              <a:rPr lang="en-US" b="1" dirty="0"/>
-              <a:t>Because they’re naturally push-based.</a:t>
-            </a:r>
-          </a:p>
-          <a:p>
-            <a:endParaRPr lang="en-US" dirty="0"/>
-          </a:p>
-          <a:p>
-            <a:r>
-              <a:rPr lang="en-US" dirty="0"/>
-              <a:t>Making them pull-based would require a producer/consumer queue – see Channels.</a:t>
-            </a:r>
-          </a:p>
-          <a:p>
-            <a:endParaRPr lang="en-US" b="1" dirty="0"/>
+              <a:t>), and propagate naturally (can use try/catch) (like other async methods).</a:t>
+            </a:r>
           </a:p>
         </p:txBody>
       </p:sp>
@@ -1389,7 +1455,7 @@
           <a:p>
             <a:fld id="{94CE3395-F8FF-4336-B2AA-E15575B990E7}" type="slidenum">
               <a:rPr lang="en-US" smtClean="0"/>
-              <a:t>29</a:t>
+              <a:t>26</a:t>
             </a:fld>
             <a:endParaRPr lang="en-US" dirty="0"/>
           </a:p>
@@ -1398,7 +1464,7 @@
     </p:spTree>
     <p:extLst>
       <p:ext uri="{BB962C8B-B14F-4D97-AF65-F5344CB8AC3E}">
-        <p14:creationId xmlns:p14="http://schemas.microsoft.com/office/powerpoint/2010/main" val="1928208001"/>
+        <p14:creationId xmlns:p14="http://schemas.microsoft.com/office/powerpoint/2010/main" val="1243363823"/>
       </p:ext>
     </p:extLst>
   </p:cSld>
@@ -1454,21 +1520,7 @@
           <a:p>
             <a:r>
               <a:rPr lang="en-US" dirty="0"/>
-              <a:t>LINQ-to-objects, LINQ-to-events, LINQ-to-streams.</a:t>
-            </a:r>
-          </a:p>
-          <a:p>
-            <a:r>
-              <a:rPr lang="en-US" dirty="0"/>
-              <a:t>This whole section is C#-only. Python has similar support in </a:t>
-            </a:r>
-            <a:r>
-              <a:rPr lang="en-US" dirty="0" err="1"/>
-              <a:t>iter</a:t>
-            </a:r>
-            <a:r>
-              <a:rPr lang="en-US" dirty="0"/>
-              <a:t>-tools.</a:t>
+              <a:t>Making this more realistic.</a:t>
             </a:r>
           </a:p>
         </p:txBody>
@@ -1490,7 +1542,7 @@
           <a:p>
             <a:fld id="{94CE3395-F8FF-4336-B2AA-E15575B990E7}" type="slidenum">
               <a:rPr lang="en-US" smtClean="0"/>
-              <a:t>30</a:t>
+              <a:t>27</a:t>
             </a:fld>
             <a:endParaRPr lang="en-US" dirty="0"/>
           </a:p>
@@ -1499,7 +1551,7 @@
     </p:spTree>
     <p:extLst>
       <p:ext uri="{BB962C8B-B14F-4D97-AF65-F5344CB8AC3E}">
-        <p14:creationId xmlns:p14="http://schemas.microsoft.com/office/powerpoint/2010/main" val="1464253914"/>
+        <p14:creationId xmlns:p14="http://schemas.microsoft.com/office/powerpoint/2010/main" val="2876862088"/>
       </p:ext>
     </p:extLst>
   </p:cSld>
@@ -1553,7 +1605,41 @@
           <a:bodyPr/>
           <a:lstStyle/>
           <a:p>
+            <a:r>
+              <a:rPr lang="en-US" dirty="0" err="1"/>
+              <a:t>SignalR</a:t>
+            </a:r>
+            <a:r>
+              <a:rPr lang="en-US" dirty="0"/>
+              <a:t>: connect to hub + get multiple messages + disconnect from hub</a:t>
+            </a:r>
+          </a:p>
+          <a:p>
+            <a:r>
+              <a:rPr lang="en-US" dirty="0"/>
+              <a:t>Stock quote APIs: connect to socket + get multiple messages + disconnect socket</a:t>
+            </a:r>
+          </a:p>
+          <a:p>
             <a:endParaRPr lang="en-US" dirty="0"/>
+          </a:p>
+          <a:p>
+            <a:r>
+              <a:rPr lang="en-US" b="1" dirty="0"/>
+              <a:t>Because they’re naturally push-based.</a:t>
+            </a:r>
+          </a:p>
+          <a:p>
+            <a:endParaRPr lang="en-US" dirty="0"/>
+          </a:p>
+          <a:p>
+            <a:r>
+              <a:rPr lang="en-US" dirty="0"/>
+              <a:t>Making them pull-based would require a producer/consumer queue – see Channels.</a:t>
+            </a:r>
+          </a:p>
+          <a:p>
+            <a:endParaRPr lang="en-US" b="1" dirty="0"/>
           </a:p>
         </p:txBody>
       </p:sp>
@@ -1574,7 +1660,7 @@
           <a:p>
             <a:fld id="{94CE3395-F8FF-4336-B2AA-E15575B990E7}" type="slidenum">
               <a:rPr lang="en-US" smtClean="0"/>
-              <a:t>34</a:t>
+              <a:t>29</a:t>
             </a:fld>
             <a:endParaRPr lang="en-US" dirty="0"/>
           </a:p>
@@ -1583,7 +1669,7 @@
     </p:spTree>
     <p:extLst>
       <p:ext uri="{BB962C8B-B14F-4D97-AF65-F5344CB8AC3E}">
-        <p14:creationId xmlns:p14="http://schemas.microsoft.com/office/powerpoint/2010/main" val="2218355378"/>
+        <p14:creationId xmlns:p14="http://schemas.microsoft.com/office/powerpoint/2010/main" val="1928208001"/>
       </p:ext>
     </p:extLst>
   </p:cSld>
@@ -1637,30 +1723,24 @@
           <a:bodyPr/>
           <a:lstStyle/>
           <a:p>
-            <a:pPr marL="0" marR="0" lvl="0" indent="0" algn="l" defTabSz="914400" rtl="0" eaLnBrk="1" fontAlgn="auto" latinLnBrk="0" hangingPunct="1">
-              <a:lnSpc>
-                <a:spcPct val="100000"/>
-              </a:lnSpc>
-              <a:spcBef>
-                <a:spcPts val="0"/>
-              </a:spcBef>
-              <a:spcAft>
-                <a:spcPts val="0"/>
-              </a:spcAft>
-              <a:buClrTx/>
-              <a:buSzTx/>
-              <a:buFontTx/>
-              <a:buNone/>
-              <a:tabLst/>
-              <a:defRPr/>
-            </a:pPr>
             <a:r>
               <a:rPr lang="en-US" dirty="0"/>
-              <a:t>This whole section is C#-only.</a:t>
-            </a:r>
-          </a:p>
-          <a:p>
-            <a:endParaRPr lang="en-US" dirty="0"/>
+              <a:t>LINQ-to-objects, LINQ-to-events, LINQ-to-streams.</a:t>
+            </a:r>
+          </a:p>
+          <a:p>
+            <a:r>
+              <a:rPr lang="en-US" dirty="0"/>
+              <a:t>This whole section is C#-only. Python has similar support in </a:t>
+            </a:r>
+            <a:r>
+              <a:rPr lang="en-US" dirty="0" err="1"/>
+              <a:t>iter</a:t>
+            </a:r>
+            <a:r>
+              <a:rPr lang="en-US" dirty="0"/>
+              <a:t>-tools.</a:t>
+            </a:r>
           </a:p>
         </p:txBody>
       </p:sp>
@@ -1681,7 +1761,7 @@
           <a:p>
             <a:fld id="{94CE3395-F8FF-4336-B2AA-E15575B990E7}" type="slidenum">
               <a:rPr lang="en-US" smtClean="0"/>
-              <a:t>39</a:t>
+              <a:t>30</a:t>
             </a:fld>
             <a:endParaRPr lang="en-US" dirty="0"/>
           </a:p>
@@ -1690,7 +1770,7 @@
     </p:spTree>
     <p:extLst>
       <p:ext uri="{BB962C8B-B14F-4D97-AF65-F5344CB8AC3E}">
-        <p14:creationId xmlns:p14="http://schemas.microsoft.com/office/powerpoint/2010/main" val="2137754703"/>
+        <p14:creationId xmlns:p14="http://schemas.microsoft.com/office/powerpoint/2010/main" val="1464253914"/>
       </p:ext>
     </p:extLst>
   </p:cSld>
@@ -1831,6 +1911,90 @@
           <a:bodyPr/>
           <a:lstStyle/>
           <a:p>
+            <a:endParaRPr lang="en-US" dirty="0"/>
+          </a:p>
+        </p:txBody>
+      </p:sp>
+      <p:sp>
+        <p:nvSpPr>
+          <p:cNvPr id="4" name="Slide Number Placeholder 3"/>
+          <p:cNvSpPr>
+            <a:spLocks noGrp="1"/>
+          </p:cNvSpPr>
+          <p:nvPr>
+            <p:ph type="sldNum" sz="quarter" idx="5"/>
+          </p:nvPr>
+        </p:nvSpPr>
+        <p:spPr/>
+        <p:txBody>
+          <a:bodyPr/>
+          <a:lstStyle/>
+          <a:p>
+            <a:fld id="{94CE3395-F8FF-4336-B2AA-E15575B990E7}" type="slidenum">
+              <a:rPr lang="en-US" smtClean="0"/>
+              <a:t>34</a:t>
+            </a:fld>
+            <a:endParaRPr lang="en-US" dirty="0"/>
+          </a:p>
+        </p:txBody>
+      </p:sp>
+    </p:spTree>
+    <p:extLst>
+      <p:ext uri="{BB962C8B-B14F-4D97-AF65-F5344CB8AC3E}">
+        <p14:creationId xmlns:p14="http://schemas.microsoft.com/office/powerpoint/2010/main" val="2218355378"/>
+      </p:ext>
+    </p:extLst>
+  </p:cSld>
+  <p:clrMapOvr>
+    <a:masterClrMapping/>
+  </p:clrMapOvr>
+</p:notes>
+</file>
+
+<file path=ppt/notesSlides/notesSlide21.xml><?xml version="1.0" encoding="utf-8"?>
+<p:notes xmlns:a="http://schemas.openxmlformats.org/drawingml/2006/main" xmlns:r="http://schemas.openxmlformats.org/officeDocument/2006/relationships" xmlns:p="http://schemas.openxmlformats.org/presentationml/2006/main">
+  <p:cSld>
+    <p:spTree>
+      <p:nvGrpSpPr>
+        <p:cNvPr id="1" name=""/>
+        <p:cNvGrpSpPr/>
+        <p:nvPr/>
+      </p:nvGrpSpPr>
+      <p:grpSpPr>
+        <a:xfrm>
+          <a:off x="0" y="0"/>
+          <a:ext cx="0" cy="0"/>
+          <a:chOff x="0" y="0"/>
+          <a:chExt cx="0" cy="0"/>
+        </a:xfrm>
+      </p:grpSpPr>
+      <p:sp>
+        <p:nvSpPr>
+          <p:cNvPr id="2" name="Slide Image Placeholder 1"/>
+          <p:cNvSpPr>
+            <a:spLocks noGrp="1" noRot="1" noChangeAspect="1"/>
+          </p:cNvSpPr>
+          <p:nvPr>
+            <p:ph type="sldImg"/>
+          </p:nvPr>
+        </p:nvSpPr>
+        <p:spPr/>
+      </p:sp>
+      <p:sp>
+        <p:nvSpPr>
+          <p:cNvPr id="3" name="Notes Placeholder 2"/>
+          <p:cNvSpPr>
+            <a:spLocks noGrp="1"/>
+          </p:cNvSpPr>
+          <p:nvPr>
+            <p:ph type="body" idx="1"/>
+          </p:nvPr>
+        </p:nvSpPr>
+        <p:spPr/>
+        <p:txBody>
+          <a:bodyPr/>
+          <a:lstStyle/>
+          <a:p>
             <a:pPr marL="0" marR="0" lvl="0" indent="0" algn="l" defTabSz="914400" rtl="0" eaLnBrk="1" fontAlgn="auto" latinLnBrk="0" hangingPunct="1">
               <a:lnSpc>
                 <a:spcPct val="100000"/>
@@ -1850,6 +2014,113 @@
             </a:pPr>
             <a:r>
               <a:rPr lang="en-US" dirty="0"/>
+              <a:t>This whole section is C#-only.</a:t>
+            </a:r>
+          </a:p>
+          <a:p>
+            <a:endParaRPr lang="en-US" dirty="0"/>
+          </a:p>
+        </p:txBody>
+      </p:sp>
+      <p:sp>
+        <p:nvSpPr>
+          <p:cNvPr id="4" name="Slide Number Placeholder 3"/>
+          <p:cNvSpPr>
+            <a:spLocks noGrp="1"/>
+          </p:cNvSpPr>
+          <p:nvPr>
+            <p:ph type="sldNum" sz="quarter" idx="5"/>
+          </p:nvPr>
+        </p:nvSpPr>
+        <p:spPr/>
+        <p:txBody>
+          <a:bodyPr/>
+          <a:lstStyle/>
+          <a:p>
+            <a:fld id="{94CE3395-F8FF-4336-B2AA-E15575B990E7}" type="slidenum">
+              <a:rPr lang="en-US" smtClean="0"/>
+              <a:t>39</a:t>
+            </a:fld>
+            <a:endParaRPr lang="en-US" dirty="0"/>
+          </a:p>
+        </p:txBody>
+      </p:sp>
+    </p:spTree>
+    <p:extLst>
+      <p:ext uri="{BB962C8B-B14F-4D97-AF65-F5344CB8AC3E}">
+        <p14:creationId xmlns:p14="http://schemas.microsoft.com/office/powerpoint/2010/main" val="2137754703"/>
+      </p:ext>
+    </p:extLst>
+  </p:cSld>
+  <p:clrMapOvr>
+    <a:masterClrMapping/>
+  </p:clrMapOvr>
+</p:notes>
+</file>
+
+<file path=ppt/notesSlides/notesSlide22.xml><?xml version="1.0" encoding="utf-8"?>
+<p:notes xmlns:a="http://schemas.openxmlformats.org/drawingml/2006/main" xmlns:r="http://schemas.openxmlformats.org/officeDocument/2006/relationships" xmlns:p="http://schemas.openxmlformats.org/presentationml/2006/main">
+  <p:cSld>
+    <p:spTree>
+      <p:nvGrpSpPr>
+        <p:cNvPr id="1" name=""/>
+        <p:cNvGrpSpPr/>
+        <p:nvPr/>
+      </p:nvGrpSpPr>
+      <p:grpSpPr>
+        <a:xfrm>
+          <a:off x="0" y="0"/>
+          <a:ext cx="0" cy="0"/>
+          <a:chOff x="0" y="0"/>
+          <a:chExt cx="0" cy="0"/>
+        </a:xfrm>
+      </p:grpSpPr>
+      <p:sp>
+        <p:nvSpPr>
+          <p:cNvPr id="2" name="Slide Image Placeholder 1"/>
+          <p:cNvSpPr>
+            <a:spLocks noGrp="1" noRot="1" noChangeAspect="1"/>
+          </p:cNvSpPr>
+          <p:nvPr>
+            <p:ph type="sldImg"/>
+          </p:nvPr>
+        </p:nvSpPr>
+        <p:spPr/>
+      </p:sp>
+      <p:sp>
+        <p:nvSpPr>
+          <p:cNvPr id="3" name="Notes Placeholder 2"/>
+          <p:cNvSpPr>
+            <a:spLocks noGrp="1"/>
+          </p:cNvSpPr>
+          <p:nvPr>
+            <p:ph type="body" idx="1"/>
+          </p:nvPr>
+        </p:nvSpPr>
+        <p:spPr/>
+        <p:txBody>
+          <a:bodyPr/>
+          <a:lstStyle/>
+          <a:p>
+            <a:pPr marL="0" marR="0" lvl="0" indent="0" algn="l" defTabSz="914400" rtl="0" eaLnBrk="1" fontAlgn="auto" latinLnBrk="0" hangingPunct="1">
+              <a:lnSpc>
+                <a:spcPct val="100000"/>
+              </a:lnSpc>
+              <a:spcBef>
+                <a:spcPts val="0"/>
+              </a:spcBef>
+              <a:spcAft>
+                <a:spcPts val="0"/>
+              </a:spcAft>
+              <a:buClrTx/>
+              <a:buSzTx/>
+              <a:buFontTx/>
+              <a:buNone/>
+              <a:tabLst/>
+              <a:defRPr/>
+            </a:pPr>
+            <a:r>
+              <a:rPr lang="en-US" dirty="0"/>
               <a:t>The compiler will remind you if you forget the [</a:t>
             </a:r>
             <a:r>
@@ -1902,7 +2173,7 @@
 </p:notes>
 </file>
 
-<file path=ppt/notesSlides/notesSlide21.xml><?xml version="1.0" encoding="utf-8"?>
+<file path=ppt/notesSlides/notesSlide23.xml><?xml version="1.0" encoding="utf-8"?>
 <p:notes xmlns:a="http://schemas.openxmlformats.org/drawingml/2006/main" xmlns:r="http://schemas.openxmlformats.org/officeDocument/2006/relationships" xmlns:p="http://schemas.openxmlformats.org/presentationml/2006/main">
   <p:cSld>
     <p:spTree>
@@ -2317,6 +2588,15 @@
             <a:r>
               <a:rPr lang="en-US" baseline="0" dirty="0"/>
               <a:t>. (Not using more threads).</a:t>
+            </a:r>
+          </a:p>
+          <a:p>
+            <a:endParaRPr lang="en-US" baseline="0" dirty="0"/>
+          </a:p>
+          <a:p>
+            <a:r>
+              <a:rPr lang="en-US" baseline="0" dirty="0"/>
+              <a:t>Why async/await? Maintainable asynchronous code (vs. callbacks, Promises).</a:t>
             </a:r>
           </a:p>
         </p:txBody>
@@ -30618,7 +30898,7 @@
           <a:p>
             <a:r>
               <a:rPr lang="en-US" dirty="0"/>
-              <a:t>Why Async?</a:t>
+              <a:t>Why Asynchrony?</a:t>
             </a:r>
           </a:p>
         </p:txBody>

--- a/Async Streams/Async Streams - 16.9.pptx
+++ b/Async Streams/Async Streams - 16.9.pptx
@@ -10,7 +10,7 @@
     <p:sldMasterId id="2147483755" r:id="rId6"/>
   </p:sldMasterIdLst>
   <p:notesMasterIdLst>
-    <p:notesMasterId r:id="rId50"/>
+    <p:notesMasterId r:id="rId51"/>
   </p:notesMasterIdLst>
   <p:sldIdLst>
     <p:sldId id="448" r:id="rId7"/>
@@ -55,7 +55,8 @@
     <p:sldId id="421" r:id="rId46"/>
     <p:sldId id="422" r:id="rId47"/>
     <p:sldId id="444" r:id="rId48"/>
-    <p:sldId id="469" r:id="rId49"/>
+    <p:sldId id="470" r:id="rId49"/>
+    <p:sldId id="469" r:id="rId50"/>
   </p:sldIdLst>
   <p:sldSz cx="12192000" cy="6858000"/>
   <p:notesSz cx="6858000" cy="9144000"/>
@@ -201,6 +202,7 @@
             <p14:sldId id="421"/>
             <p14:sldId id="422"/>
             <p14:sldId id="444"/>
+            <p14:sldId id="470"/>
             <p14:sldId id="469"/>
           </p14:sldIdLst>
         </p14:section>
@@ -295,7 +297,7 @@
           <a:p>
             <a:fld id="{574E8BCA-0B4F-4373-B78E-3D2899449797}" type="datetimeFigureOut">
               <a:rPr lang="en-US" smtClean="0"/>
-              <a:t>11/6/2019</a:t>
+              <a:t>11/14/2019</a:t>
             </a:fld>
             <a:endParaRPr lang="en-US" dirty="0"/>
           </a:p>
@@ -2250,7 +2252,7 @@
           <a:p>
             <a:fld id="{94CE3395-F8FF-4336-B2AA-E15575B990E7}" type="slidenum">
               <a:rPr lang="en-US" smtClean="0"/>
-              <a:t>43</a:t>
+              <a:t>44</a:t>
             </a:fld>
             <a:endParaRPr lang="en-US" dirty="0"/>
           </a:p>
@@ -5397,7 +5399,7 @@
           <a:p>
             <a:fld id="{1906F911-B8F3-1042-B226-54911C0C3F55}" type="datetimeFigureOut">
               <a:rPr lang="en-US" smtClean="0"/>
-              <a:t>11/6/2019</a:t>
+              <a:t>11/14/2019</a:t>
             </a:fld>
             <a:endParaRPr lang="en-US"/>
           </a:p>
@@ -13519,7 +13521,7 @@
           <a:p>
             <a:fld id="{1906F911-B8F3-1042-B226-54911C0C3F55}" type="datetimeFigureOut">
               <a:rPr lang="en-US" smtClean="0"/>
-              <a:t>11/6/2019</a:t>
+              <a:t>11/14/2019</a:t>
             </a:fld>
             <a:endParaRPr lang="en-US"/>
           </a:p>
@@ -14010,7 +14012,7 @@
           <a:p>
             <a:fld id="{1906F911-B8F3-1042-B226-54911C0C3F55}" type="datetimeFigureOut">
               <a:rPr lang="en-US" smtClean="0"/>
-              <a:t>11/6/2019</a:t>
+              <a:t>11/14/2019</a:t>
             </a:fld>
             <a:endParaRPr lang="en-US"/>
           </a:p>
@@ -21088,13 +21090,12 @@
           <a:p>
             <a:r>
               <a:rPr lang="en-US" dirty="0" err="1"/>
-              <a:t>DotNext</a:t>
-            </a:r>
-            <a:r>
-              <a:rPr lang="en-US"/>
-              <a:t> Moscow, 2019</a:t>
-            </a:r>
-            <a:endParaRPr lang="en-US" dirty="0"/>
+              <a:t>TechBash</a:t>
+            </a:r>
+            <a:r>
+              <a:rPr lang="en-US" dirty="0"/>
+              <a:t>, 2019</a:t>
+            </a:r>
           </a:p>
         </p:txBody>
       </p:sp>
@@ -29966,6 +29967,167 @@
       </p:grpSpPr>
       <p:sp>
         <p:nvSpPr>
+          <p:cNvPr id="4" name="Title 3">
+            <a:extLst>
+              <a:ext uri="{FF2B5EF4-FFF2-40B4-BE49-F238E27FC236}">
+                <a16:creationId xmlns:a16="http://schemas.microsoft.com/office/drawing/2014/main" id="{68899B08-78AD-49EE-8611-B010A2D1732B}"/>
+              </a:ext>
+            </a:extLst>
+          </p:cNvPr>
+          <p:cNvSpPr>
+            <a:spLocks noGrp="1"/>
+          </p:cNvSpPr>
+          <p:nvPr>
+            <p:ph type="title"/>
+          </p:nvPr>
+        </p:nvSpPr>
+        <p:spPr/>
+        <p:txBody>
+          <a:bodyPr/>
+          <a:lstStyle/>
+          <a:p>
+            <a:r>
+              <a:rPr lang="en-US" dirty="0"/>
+              <a:t>Custom/Future Operators</a:t>
+            </a:r>
+          </a:p>
+        </p:txBody>
+      </p:sp>
+      <p:sp>
+        <p:nvSpPr>
+          <p:cNvPr id="5" name="Text Placeholder 4">
+            <a:extLst>
+              <a:ext uri="{FF2B5EF4-FFF2-40B4-BE49-F238E27FC236}">
+                <a16:creationId xmlns:a16="http://schemas.microsoft.com/office/drawing/2014/main" id="{AC470ACC-1DFA-45BF-AF60-E4520C0DAD41}"/>
+              </a:ext>
+            </a:extLst>
+          </p:cNvPr>
+          <p:cNvSpPr>
+            <a:spLocks noGrp="1"/>
+          </p:cNvSpPr>
+          <p:nvPr>
+            <p:ph type="body" sz="quarter" idx="10"/>
+          </p:nvPr>
+        </p:nvSpPr>
+        <p:spPr>
+          <a:xfrm>
+            <a:off x="269239" y="1197324"/>
+            <a:ext cx="11653523" cy="3769237"/>
+          </a:xfrm>
+        </p:spPr>
+        <p:txBody>
+          <a:bodyPr/>
+          <a:lstStyle/>
+          <a:p>
+            <a:endParaRPr lang="en-US" dirty="0"/>
+          </a:p>
+          <a:p>
+            <a:r>
+              <a:rPr lang="en-US" dirty="0"/>
+              <a:t>Semantic considerations with async streams:</a:t>
+            </a:r>
+          </a:p>
+          <a:p>
+            <a:pPr marL="457200" indent="-457200">
+              <a:buFont typeface="Arial" panose="020B0604020202020204" pitchFamily="34" charset="0"/>
+              <a:buChar char="•"/>
+            </a:pPr>
+            <a:r>
+              <a:rPr lang="en-US" dirty="0"/>
+              <a:t>Concurrency: serial, concurrent, </a:t>
+            </a:r>
+            <a:r>
+              <a:rPr lang="en-US" dirty="0" err="1"/>
+              <a:t>MaxDegree</a:t>
+            </a:r>
+            <a:r>
+              <a:rPr lang="en-US" dirty="0"/>
+              <a:t>, single-buffer?</a:t>
+            </a:r>
+          </a:p>
+          <a:p>
+            <a:pPr marL="796926" lvl="1" indent="-457200">
+              <a:buFont typeface="Arial" panose="020B0604020202020204" pitchFamily="34" charset="0"/>
+              <a:buChar char="•"/>
+            </a:pPr>
+            <a:r>
+              <a:rPr lang="en-US" dirty="0"/>
+              <a:t>When to call </a:t>
+            </a:r>
+            <a:r>
+              <a:rPr lang="en-US" dirty="0" err="1"/>
+              <a:t>GetNextAsync</a:t>
+            </a:r>
+            <a:r>
+              <a:rPr lang="en-US" dirty="0"/>
+              <a:t>?</a:t>
+            </a:r>
+          </a:p>
+          <a:p>
+            <a:pPr marL="457200" indent="-457200">
+              <a:buFont typeface="Arial" panose="020B0604020202020204" pitchFamily="34" charset="0"/>
+              <a:buChar char="•"/>
+            </a:pPr>
+            <a:r>
+              <a:rPr lang="en-US" dirty="0"/>
+              <a:t>Ordering: original, as-completed?</a:t>
+            </a:r>
+          </a:p>
+          <a:p>
+            <a:pPr marL="457200" indent="-457200">
+              <a:buFont typeface="Arial" panose="020B0604020202020204" pitchFamily="34" charset="0"/>
+              <a:buChar char="•"/>
+            </a:pPr>
+            <a:endParaRPr lang="en-US" dirty="0"/>
+          </a:p>
+          <a:p>
+            <a:r>
+              <a:rPr lang="en-US" dirty="0"/>
+              <a:t>Async LINQ is always serial with </a:t>
+            </a:r>
+            <a:r>
+              <a:rPr lang="en-US"/>
+              <a:t>original ordering.</a:t>
+            </a:r>
+            <a:endParaRPr lang="en-US" dirty="0"/>
+          </a:p>
+        </p:txBody>
+      </p:sp>
+    </p:spTree>
+    <p:extLst>
+      <p:ext uri="{BB962C8B-B14F-4D97-AF65-F5344CB8AC3E}">
+        <p14:creationId xmlns:p14="http://schemas.microsoft.com/office/powerpoint/2010/main" val="822878010"/>
+      </p:ext>
+    </p:extLst>
+  </p:cSld>
+  <p:clrMapOvr>
+    <a:masterClrMapping/>
+  </p:clrMapOvr>
+  <p:transition>
+    <p:fade/>
+  </p:transition>
+</p:sld>
+</file>
+
+<file path=ppt/slides/slide44.xml><?xml version="1.0" encoding="utf-8"?>
+<p:sld xmlns:a="http://schemas.openxmlformats.org/drawingml/2006/main" xmlns:r="http://schemas.openxmlformats.org/officeDocument/2006/relationships" xmlns:p="http://schemas.openxmlformats.org/presentationml/2006/main">
+  <p:cSld>
+    <p:spTree>
+      <p:nvGrpSpPr>
+        <p:cNvPr id="1" name=""/>
+        <p:cNvGrpSpPr/>
+        <p:nvPr/>
+      </p:nvGrpSpPr>
+      <p:grpSpPr>
+        <a:xfrm>
+          <a:off x="0" y="0"/>
+          <a:ext cx="0" cy="0"/>
+          <a:chOff x="0" y="0"/>
+          <a:chExt cx="0" cy="0"/>
+        </a:xfrm>
+      </p:grpSpPr>
+      <p:sp>
+        <p:nvSpPr>
           <p:cNvPr id="4" name="Title 3"/>
           <p:cNvSpPr>
             <a:spLocks noGrp="1"/>
@@ -30309,8 +30471,13 @@
             </a:r>
             <a:r>
               <a:rPr lang="en-US" dirty="0"/>
-              <a:t>)</a:t>
-            </a:r>
+              <a:t> if you manually specify </a:t>
+            </a:r>
+            <a:r>
+              <a:rPr lang="en-US"/>
+              <a:t>language version)</a:t>
+            </a:r>
+            <a:endParaRPr lang="en-US" dirty="0"/>
           </a:p>
         </p:txBody>
       </p:sp>

--- a/Async Streams/Async Streams - 16.9.pptx
+++ b/Async Streams/Async Streams - 16.9.pptx
@@ -297,7 +297,7 @@
           <a:p>
             <a:fld id="{574E8BCA-0B4F-4373-B78E-3D2899449797}" type="datetimeFigureOut">
               <a:rPr lang="en-US" smtClean="0"/>
-              <a:t>11/14/2019</a:t>
+              <a:t>11/15/2019</a:t>
             </a:fld>
             <a:endParaRPr lang="en-US" dirty="0"/>
           </a:p>
@@ -5399,7 +5399,7 @@
           <a:p>
             <a:fld id="{1906F911-B8F3-1042-B226-54911C0C3F55}" type="datetimeFigureOut">
               <a:rPr lang="en-US" smtClean="0"/>
-              <a:t>11/14/2019</a:t>
+              <a:t>11/15/2019</a:t>
             </a:fld>
             <a:endParaRPr lang="en-US"/>
           </a:p>
@@ -13521,7 +13521,7 @@
           <a:p>
             <a:fld id="{1906F911-B8F3-1042-B226-54911C0C3F55}" type="datetimeFigureOut">
               <a:rPr lang="en-US" smtClean="0"/>
-              <a:t>11/14/2019</a:t>
+              <a:t>11/15/2019</a:t>
             </a:fld>
             <a:endParaRPr lang="en-US"/>
           </a:p>
@@ -14012,7 +14012,7 @@
           <a:p>
             <a:fld id="{1906F911-B8F3-1042-B226-54911C0C3F55}" type="datetimeFigureOut">
               <a:rPr lang="en-US" smtClean="0"/>
-              <a:t>11/14/2019</a:t>
+              <a:t>11/15/2019</a:t>
             </a:fld>
             <a:endParaRPr lang="en-US"/>
           </a:p>
@@ -29675,7 +29675,7 @@
           <a:p>
             <a:r>
               <a:rPr lang="en-US" dirty="0"/>
-              <a:t>Requesting Cancellation (easy)</a:t>
+              <a:t>Requesting Cancellation</a:t>
             </a:r>
           </a:p>
         </p:txBody>
